--- a/Folien - Trainerleitfaden/Einheit 21 PHP.pptx
+++ b/Folien - Trainerleitfaden/Einheit 21 PHP.pptx
@@ -112,6 +112,11 @@
       </a:defRPr>
     </a:lvl9pPr>
   </p:defaultTextStyle>
+  <p:extLst>
+    <p:ext uri="{EFAFB233-063F-42B5-8137-9DF3F51BA10A}">
+      <p15:sldGuideLst xmlns:p15="http://schemas.microsoft.com/office/powerpoint/2012/main"/>
+    </p:ext>
+  </p:extLst>
 </p:presentation>
 </file>
 
@@ -264,7 +269,7 @@
           <a:p>
             <a:fld id="{D01CEF32-EDF0-439A-8D5C-4A96D632C426}" type="datetimeFigureOut">
               <a:rPr lang="de-AT" smtClean="0"/>
-              <a:t>17.05.2021</a:t>
+              <a:t>18.05.2021</a:t>
             </a:fld>
             <a:endParaRPr lang="de-AT"/>
           </a:p>
@@ -464,7 +469,7 @@
           <a:p>
             <a:fld id="{D01CEF32-EDF0-439A-8D5C-4A96D632C426}" type="datetimeFigureOut">
               <a:rPr lang="de-AT" smtClean="0"/>
-              <a:t>17.05.2021</a:t>
+              <a:t>18.05.2021</a:t>
             </a:fld>
             <a:endParaRPr lang="de-AT"/>
           </a:p>
@@ -674,7 +679,7 @@
           <a:p>
             <a:fld id="{D01CEF32-EDF0-439A-8D5C-4A96D632C426}" type="datetimeFigureOut">
               <a:rPr lang="de-AT" smtClean="0"/>
-              <a:t>17.05.2021</a:t>
+              <a:t>18.05.2021</a:t>
             </a:fld>
             <a:endParaRPr lang="de-AT"/>
           </a:p>
@@ -1123,16 +1128,22 @@
           <a:p>
             <a:pPr algn="ctr"/>
             <a:r>
-              <a:rPr lang="de-AT" sz="1200" dirty="0"/>
+              <a:rPr lang="de-AT" sz="1200" dirty="0">
+                <a:latin typeface="Arial" panose="020B0604020202020204" pitchFamily="34" charset="0"/>
+              </a:rPr>
               <a:t>&lt; </a:t>
             </a:r>
             <a:fld id="{B4E5A919-9C23-4E91-B8F0-F882270E1387}" type="slidenum">
-              <a:rPr lang="de-AT" sz="1200" smtClean="0"/>
+              <a:rPr lang="de-AT" sz="1200" smtClean="0">
+                <a:latin typeface="Arial" panose="020B0604020202020204" pitchFamily="34" charset="0"/>
+              </a:rPr>
               <a:pPr algn="ctr"/>
               <a:t>‹Nr.›</a:t>
             </a:fld>
             <a:r>
-              <a:rPr lang="de-AT" sz="1200" dirty="0"/>
+              <a:rPr lang="de-AT" sz="1200" dirty="0">
+                <a:latin typeface="Arial" panose="020B0604020202020204" pitchFamily="34" charset="0"/>
+              </a:rPr>
               <a:t> /&gt;</a:t>
             </a:r>
           </a:p>
@@ -1339,7 +1350,9 @@
             <a:bodyPr/>
             <a:lstStyle/>
             <a:p>
-              <a:endParaRPr lang="de-AT" dirty="0"/>
+              <a:endParaRPr lang="de-AT" dirty="0">
+                <a:latin typeface="Arial" panose="020B0604020202020204" pitchFamily="34" charset="0"/>
+              </a:endParaRPr>
             </a:p>
           </p:txBody>
         </p:sp>
@@ -1415,7 +1428,9 @@
             <a:bodyPr/>
             <a:lstStyle/>
             <a:p>
-              <a:endParaRPr lang="de-AT" dirty="0"/>
+              <a:endParaRPr lang="de-AT" dirty="0">
+                <a:latin typeface="Arial" panose="020B0604020202020204" pitchFamily="34" charset="0"/>
+              </a:endParaRPr>
             </a:p>
           </p:txBody>
         </p:sp>
@@ -1462,7 +1477,7 @@
                     </a:srgbClr>
                   </a:outerShdw>
                 </a:effectLst>
-                <a:latin typeface="+mj-lt"/>
+                <a:latin typeface="Arial" panose="020B0604020202020204" pitchFamily="34" charset="0"/>
                 <a:ea typeface="+mj-ea"/>
                 <a:cs typeface="+mj-cs"/>
               </a:defRPr>
@@ -1666,7 +1681,7 @@
           <a:p>
             <a:fld id="{D01CEF32-EDF0-439A-8D5C-4A96D632C426}" type="datetimeFigureOut">
               <a:rPr lang="de-AT" smtClean="0"/>
-              <a:t>17.05.2021</a:t>
+              <a:t>18.05.2021</a:t>
             </a:fld>
             <a:endParaRPr lang="de-AT"/>
           </a:p>
@@ -1942,7 +1957,7 @@
           <a:p>
             <a:fld id="{D01CEF32-EDF0-439A-8D5C-4A96D632C426}" type="datetimeFigureOut">
               <a:rPr lang="de-AT" smtClean="0"/>
-              <a:t>17.05.2021</a:t>
+              <a:t>18.05.2021</a:t>
             </a:fld>
             <a:endParaRPr lang="de-AT"/>
           </a:p>
@@ -2210,7 +2225,7 @@
           <a:p>
             <a:fld id="{D01CEF32-EDF0-439A-8D5C-4A96D632C426}" type="datetimeFigureOut">
               <a:rPr lang="de-AT" smtClean="0"/>
-              <a:t>17.05.2021</a:t>
+              <a:t>18.05.2021</a:t>
             </a:fld>
             <a:endParaRPr lang="de-AT"/>
           </a:p>
@@ -2625,7 +2640,7 @@
           <a:p>
             <a:fld id="{D01CEF32-EDF0-439A-8D5C-4A96D632C426}" type="datetimeFigureOut">
               <a:rPr lang="de-AT" smtClean="0"/>
-              <a:t>17.05.2021</a:t>
+              <a:t>18.05.2021</a:t>
             </a:fld>
             <a:endParaRPr lang="de-AT"/>
           </a:p>
@@ -2767,7 +2782,7 @@
           <a:p>
             <a:fld id="{D01CEF32-EDF0-439A-8D5C-4A96D632C426}" type="datetimeFigureOut">
               <a:rPr lang="de-AT" smtClean="0"/>
-              <a:t>17.05.2021</a:t>
+              <a:t>18.05.2021</a:t>
             </a:fld>
             <a:endParaRPr lang="de-AT"/>
           </a:p>
@@ -2880,7 +2895,7 @@
           <a:p>
             <a:fld id="{D01CEF32-EDF0-439A-8D5C-4A96D632C426}" type="datetimeFigureOut">
               <a:rPr lang="de-AT" smtClean="0"/>
-              <a:t>17.05.2021</a:t>
+              <a:t>18.05.2021</a:t>
             </a:fld>
             <a:endParaRPr lang="de-AT"/>
           </a:p>
@@ -3193,7 +3208,7 @@
           <a:p>
             <a:fld id="{D01CEF32-EDF0-439A-8D5C-4A96D632C426}" type="datetimeFigureOut">
               <a:rPr lang="de-AT" smtClean="0"/>
-              <a:t>17.05.2021</a:t>
+              <a:t>18.05.2021</a:t>
             </a:fld>
             <a:endParaRPr lang="de-AT"/>
           </a:p>
@@ -3482,7 +3497,7 @@
           <a:p>
             <a:fld id="{D01CEF32-EDF0-439A-8D5C-4A96D632C426}" type="datetimeFigureOut">
               <a:rPr lang="de-AT" smtClean="0"/>
-              <a:t>17.05.2021</a:t>
+              <a:t>18.05.2021</a:t>
             </a:fld>
             <a:endParaRPr lang="de-AT"/>
           </a:p>
@@ -3609,10 +3624,10 @@
           <a:lstStyle/>
           <a:p>
             <a:r>
-              <a:rPr lang="de-DE"/>
+              <a:rPr lang="de-DE" dirty="0"/>
               <a:t>Mastertitelformat bearbeiten</a:t>
             </a:r>
-            <a:endParaRPr lang="de-AT"/>
+            <a:endParaRPr lang="de-AT" dirty="0"/>
           </a:p>
         </p:txBody>
       </p:sp>
@@ -3649,38 +3664,38 @@
           <a:p>
             <a:pPr lvl="0"/>
             <a:r>
-              <a:rPr lang="de-DE"/>
+              <a:rPr lang="de-DE" dirty="0"/>
               <a:t>Mastertextformat bearbeiten</a:t>
             </a:r>
           </a:p>
           <a:p>
             <a:pPr lvl="1"/>
             <a:r>
-              <a:rPr lang="de-DE"/>
+              <a:rPr lang="de-DE" dirty="0"/>
               <a:t>Zweite Ebene</a:t>
             </a:r>
           </a:p>
           <a:p>
             <a:pPr lvl="2"/>
             <a:r>
-              <a:rPr lang="de-DE"/>
+              <a:rPr lang="de-DE" dirty="0"/>
               <a:t>Dritte Ebene</a:t>
             </a:r>
           </a:p>
           <a:p>
             <a:pPr lvl="3"/>
             <a:r>
-              <a:rPr lang="de-DE"/>
+              <a:rPr lang="de-DE" dirty="0"/>
               <a:t>Vierte Ebene</a:t>
             </a:r>
           </a:p>
           <a:p>
             <a:pPr lvl="4"/>
             <a:r>
-              <a:rPr lang="de-DE"/>
+              <a:rPr lang="de-DE" dirty="0"/>
               <a:t>Fünfte Ebene</a:t>
             </a:r>
-            <a:endParaRPr lang="de-AT"/>
+            <a:endParaRPr lang="de-AT" dirty="0"/>
           </a:p>
         </p:txBody>
       </p:sp>
@@ -3719,15 +3734,17 @@
                     <a:tint val="75000"/>
                   </a:schemeClr>
                 </a:solidFill>
+                <a:latin typeface="Arial" panose="020B0604020202020204" pitchFamily="34" charset="0"/>
               </a:defRPr>
             </a:lvl1pPr>
           </a:lstStyle>
           <a:p>
             <a:fld id="{D01CEF32-EDF0-439A-8D5C-4A96D632C426}" type="datetimeFigureOut">
               <a:rPr lang="de-AT" smtClean="0"/>
-              <a:t>17.05.2021</a:t>
+              <a:pPr/>
+              <a:t>18.05.2021</a:t>
             </a:fld>
-            <a:endParaRPr lang="de-AT"/>
+            <a:endParaRPr lang="de-AT" dirty="0"/>
           </a:p>
         </p:txBody>
       </p:sp>
@@ -3766,11 +3783,12 @@
                     <a:tint val="75000"/>
                   </a:schemeClr>
                 </a:solidFill>
+                <a:latin typeface="Arial" panose="020B0604020202020204" pitchFamily="34" charset="0"/>
               </a:defRPr>
             </a:lvl1pPr>
           </a:lstStyle>
           <a:p>
-            <a:endParaRPr lang="de-AT"/>
+            <a:endParaRPr lang="de-AT" dirty="0"/>
           </a:p>
         </p:txBody>
       </p:sp>
@@ -3809,15 +3827,17 @@
                     <a:tint val="75000"/>
                   </a:schemeClr>
                 </a:solidFill>
+                <a:latin typeface="Arial" panose="020B0604020202020204" pitchFamily="34" charset="0"/>
               </a:defRPr>
             </a:lvl1pPr>
           </a:lstStyle>
           <a:p>
             <a:fld id="{15DF2802-95EC-4C0F-9A1A-0AB38D08B977}" type="slidenum">
               <a:rPr lang="de-AT" smtClean="0"/>
+              <a:pPr/>
               <a:t>‹Nr.›</a:t>
             </a:fld>
-            <a:endParaRPr lang="de-AT"/>
+            <a:endParaRPr lang="de-AT" dirty="0"/>
           </a:p>
         </p:txBody>
       </p:sp>
@@ -3858,7 +3878,7 @@
           <a:solidFill>
             <a:schemeClr val="tx1"/>
           </a:solidFill>
-          <a:latin typeface="+mj-lt"/>
+          <a:latin typeface="Arial" panose="020B0604020202020204" pitchFamily="34" charset="0"/>
           <a:ea typeface="+mj-ea"/>
           <a:cs typeface="+mj-cs"/>
         </a:defRPr>
@@ -3878,7 +3898,7 @@
           <a:solidFill>
             <a:schemeClr val="tx1"/>
           </a:solidFill>
-          <a:latin typeface="+mn-lt"/>
+          <a:latin typeface="Arial" panose="020B0604020202020204" pitchFamily="34" charset="0"/>
           <a:ea typeface="+mn-ea"/>
           <a:cs typeface="+mn-cs"/>
         </a:defRPr>
@@ -3896,7 +3916,7 @@
           <a:solidFill>
             <a:schemeClr val="tx1"/>
           </a:solidFill>
-          <a:latin typeface="+mn-lt"/>
+          <a:latin typeface="Arial" panose="020B0604020202020204" pitchFamily="34" charset="0"/>
           <a:ea typeface="+mn-ea"/>
           <a:cs typeface="+mn-cs"/>
         </a:defRPr>
@@ -3914,7 +3934,7 @@
           <a:solidFill>
             <a:schemeClr val="tx1"/>
           </a:solidFill>
-          <a:latin typeface="+mn-lt"/>
+          <a:latin typeface="Arial" panose="020B0604020202020204" pitchFamily="34" charset="0"/>
           <a:ea typeface="+mn-ea"/>
           <a:cs typeface="+mn-cs"/>
         </a:defRPr>
@@ -3932,7 +3952,7 @@
           <a:solidFill>
             <a:schemeClr val="tx1"/>
           </a:solidFill>
-          <a:latin typeface="+mn-lt"/>
+          <a:latin typeface="Arial" panose="020B0604020202020204" pitchFamily="34" charset="0"/>
           <a:ea typeface="+mn-ea"/>
           <a:cs typeface="+mn-cs"/>
         </a:defRPr>
@@ -3950,7 +3970,7 @@
           <a:solidFill>
             <a:schemeClr val="tx1"/>
           </a:solidFill>
-          <a:latin typeface="+mn-lt"/>
+          <a:latin typeface="Arial" panose="020B0604020202020204" pitchFamily="34" charset="0"/>
           <a:ea typeface="+mn-ea"/>
           <a:cs typeface="+mn-cs"/>
         </a:defRPr>
@@ -4166,20 +4186,15 @@
           <a:lstStyle/>
           <a:p>
             <a:r>
-              <a:rPr lang="de-AT">
+              <a:rPr lang="de-AT" dirty="0">
                 <a:solidFill>
                   <a:schemeClr val="tx1"/>
                 </a:solidFill>
+                <a:latin typeface="Arial" panose="020B0604020202020204" pitchFamily="34" charset="0"/>
+                <a:cs typeface="Arial" panose="020B0604020202020204" pitchFamily="34" charset="0"/>
               </a:rPr>
               <a:t>PHP 04</a:t>
             </a:r>
-            <a:endParaRPr lang="de-AT" dirty="0">
-              <a:solidFill>
-                <a:schemeClr val="tx1"/>
-              </a:solidFill>
-              <a:latin typeface="Arial" panose="020B0604020202020204" pitchFamily="34" charset="0"/>
-              <a:cs typeface="Arial" panose="020B0604020202020204" pitchFamily="34" charset="0"/>
-            </a:endParaRPr>
           </a:p>
         </p:txBody>
       </p:sp>
@@ -4268,7 +4283,7 @@
         <p:spPr>
           <a:xfrm>
             <a:off x="2117110" y="1333647"/>
-            <a:ext cx="6103960" cy="369332"/>
+            <a:ext cx="6103960" cy="286232"/>
           </a:xfrm>
           <a:prstGeom prst="rect">
             <a:avLst/>
@@ -4377,10 +4392,14 @@
           </a:lstStyle>
           <a:p>
             <a:r>
-              <a:rPr lang="de-DE" dirty="0"/>
+              <a:rPr lang="de-DE" dirty="0">
+                <a:latin typeface="Arial" panose="020B0604020202020204" pitchFamily="34" charset="0"/>
+              </a:rPr>
               <a:t>Verbindung zur MySQL-Datenbank mittels PDO:</a:t>
             </a:r>
-            <a:endParaRPr lang="de-AT" dirty="0"/>
+            <a:endParaRPr lang="de-AT" dirty="0">
+              <a:latin typeface="Arial" panose="020B0604020202020204" pitchFamily="34" charset="0"/>
+            </a:endParaRPr>
           </a:p>
         </p:txBody>
       </p:sp>
@@ -4855,7 +4874,7 @@
         <p:spPr>
           <a:xfrm>
             <a:off x="2117110" y="2786855"/>
-            <a:ext cx="6305264" cy="369332"/>
+            <a:ext cx="6305264" cy="286232"/>
           </a:xfrm>
           <a:prstGeom prst="rect">
             <a:avLst/>
@@ -4964,7 +4983,9 @@
           </a:lstStyle>
           <a:p>
             <a:r>
-              <a:rPr lang="de-DE" dirty="0"/>
+              <a:rPr lang="de-DE" dirty="0">
+                <a:latin typeface="Arial" panose="020B0604020202020204" pitchFamily="34" charset="0"/>
+              </a:rPr>
               <a:t>SQL Query an Datenbank senden</a:t>
             </a:r>
           </a:p>
@@ -5924,11 +5945,14 @@
           <a:p>
             <a:r>
               <a:rPr lang="de-AT" dirty="0">
+                <a:latin typeface="Arial" panose="020B0604020202020204" pitchFamily="34" charset="0"/>
                 <a:hlinkClick r:id="rId2"/>
               </a:rPr>
               <a:t>https://www.php-einfach.de/mysql-tutorial/crashkurs-pdo/</a:t>
             </a:r>
-            <a:endParaRPr lang="de-AT" dirty="0"/>
+            <a:endParaRPr lang="de-AT" dirty="0">
+              <a:latin typeface="Arial" panose="020B0604020202020204" pitchFamily="34" charset="0"/>
+            </a:endParaRPr>
           </a:p>
         </p:txBody>
       </p:sp>
@@ -6021,15 +6045,17 @@
           </a:xfrm>
         </p:spPr>
         <p:txBody>
-          <a:bodyPr/>
+          <a:bodyPr wrap="square">
+            <a:spAutoFit/>
+          </a:bodyPr>
           <a:lstStyle/>
           <a:p>
             <a:r>
-              <a:rPr lang="de-AT" dirty="0" err="1"/>
+              <a:rPr lang="de-AT" sz="1400" dirty="0" err="1"/>
               <a:t>Prepared</a:t>
             </a:r>
             <a:r>
-              <a:rPr lang="de-AT" dirty="0"/>
+              <a:rPr lang="de-AT" sz="1400" dirty="0"/>
               <a:t> Statement mit anonymen Parametern:</a:t>
             </a:r>
           </a:p>
@@ -7856,11 +7882,15 @@
           </a:lstStyle>
           <a:p>
             <a:r>
-              <a:rPr lang="de-AT" dirty="0" err="1"/>
+              <a:rPr lang="de-AT" dirty="0" err="1">
+                <a:latin typeface="Arial" panose="020B0604020202020204" pitchFamily="34" charset="0"/>
+              </a:rPr>
               <a:t>Prepared</a:t>
             </a:r>
             <a:r>
-              <a:rPr lang="de-AT" dirty="0"/>
+              <a:rPr lang="de-AT" dirty="0">
+                <a:latin typeface="Arial" panose="020B0604020202020204" pitchFamily="34" charset="0"/>
+              </a:rPr>
               <a:t> Statement mit benannten Parametern:</a:t>
             </a:r>
           </a:p>
@@ -9797,30 +9827,28 @@
         <p:spPr>
           <a:xfrm>
             <a:off x="2109196" y="2608973"/>
-            <a:ext cx="7676249" cy="286232"/>
+            <a:ext cx="7676249" cy="258532"/>
           </a:xfrm>
         </p:spPr>
         <p:txBody>
-          <a:bodyPr/>
+          <a:bodyPr vert="horz" wrap="square" lIns="91440" tIns="45720" rIns="91440" bIns="45720" rtlCol="0">
+            <a:spAutoFit/>
+          </a:bodyPr>
           <a:lstStyle/>
           <a:p>
             <a:r>
-              <a:rPr lang="de-DE" dirty="0"/>
+              <a:rPr lang="de-DE" sz="1400" dirty="0"/>
               <a:t>Anzahl der betroffenen Zeilen mittels Methode </a:t>
             </a:r>
             <a:r>
-              <a:rPr lang="de-DE" i="1" dirty="0" err="1"/>
+              <a:rPr lang="de-DE" sz="1400" dirty="0" err="1"/>
               <a:t>rowCount</a:t>
             </a:r>
             <a:r>
-              <a:rPr lang="de-DE" i="1" dirty="0"/>
-              <a:t>()</a:t>
-            </a:r>
-            <a:r>
-              <a:rPr lang="de-DE" dirty="0"/>
-              <a:t> ermitteln:</a:t>
-            </a:r>
-            <a:endParaRPr lang="de-AT" dirty="0"/>
+              <a:rPr lang="de-DE" sz="1400" dirty="0"/>
+              <a:t>() ermitteln:</a:t>
+            </a:r>
+            <a:endParaRPr lang="de-AT" sz="1400" dirty="0"/>
           </a:p>
         </p:txBody>
       </p:sp>
@@ -10955,24 +10983,22 @@
           </a:xfrm>
         </p:spPr>
         <p:txBody>
-          <a:bodyPr/>
+          <a:bodyPr vert="horz" wrap="square" lIns="91440" tIns="45720" rIns="91440" bIns="45720" rtlCol="0">
+            <a:spAutoFit/>
+          </a:bodyPr>
           <a:lstStyle/>
           <a:p>
             <a:r>
-              <a:rPr lang="de-DE" dirty="0"/>
+              <a:rPr lang="de-DE" sz="1400" dirty="0"/>
               <a:t>Zum Abrufen der Fehlermeldung existiert die Methode </a:t>
             </a:r>
             <a:r>
-              <a:rPr lang="de-DE" i="1" dirty="0" err="1"/>
+              <a:rPr lang="de-DE" sz="1400" dirty="0" err="1"/>
               <a:t>errorInfo</a:t>
             </a:r>
             <a:r>
-              <a:rPr lang="de-DE" i="1" dirty="0"/>
-              <a:t>()</a:t>
-            </a:r>
-            <a:r>
-              <a:rPr lang="de-DE" dirty="0"/>
-              <a:t>.</a:t>
+              <a:rPr lang="de-DE" sz="1400" dirty="0"/>
+              <a:t>().</a:t>
             </a:r>
           </a:p>
         </p:txBody>
@@ -12681,11 +12707,13 @@
           </a:xfrm>
         </p:spPr>
         <p:txBody>
-          <a:bodyPr/>
+          <a:bodyPr vert="horz" wrap="square" lIns="91440" tIns="45720" rIns="91440" bIns="45720" rtlCol="0">
+            <a:spAutoFit/>
+          </a:bodyPr>
           <a:lstStyle/>
           <a:p>
             <a:r>
-              <a:rPr lang="de-AT" dirty="0"/>
+              <a:rPr lang="de-AT" sz="1400" dirty="0"/>
               <a:t>Mit benannten Parametern</a:t>
             </a:r>
           </a:p>
@@ -16447,7 +16475,9 @@
           </a:lstStyle>
           <a:p>
             <a:r>
-              <a:rPr lang="de-AT" dirty="0"/>
+              <a:rPr lang="de-AT" dirty="0">
+                <a:latin typeface="Arial" panose="020B0604020202020204" pitchFamily="34" charset="0"/>
+              </a:rPr>
               <a:t>https://www.php-einfach.de/mysql-tutorial/daten-einfuegen/</a:t>
             </a:r>
           </a:p>
@@ -18484,7 +18514,7 @@
         <p:spPr>
           <a:xfrm>
             <a:off x="1676969" y="5740822"/>
-            <a:ext cx="6301854" cy="646331"/>
+            <a:ext cx="6301854" cy="230832"/>
           </a:xfrm>
           <a:prstGeom prst="rect">
             <a:avLst/>
@@ -18596,7 +18626,9 @@
           </a:lstStyle>
           <a:p>
             <a:r>
-              <a:rPr lang="de-AT" dirty="0"/>
+              <a:rPr lang="de-AT" dirty="0">
+                <a:latin typeface="Arial" panose="020B0604020202020204" pitchFamily="34" charset="0"/>
+              </a:rPr>
               <a:t>https://www.php-einfach.de/mysql-tutorial/daten-aktualisieren/</a:t>
             </a:r>
           </a:p>
@@ -18788,7 +18820,9 @@
           </a:lstStyle>
           <a:p>
             <a:r>
-              <a:rPr lang="de-AT" dirty="0"/>
+              <a:rPr lang="de-AT" dirty="0">
+                <a:latin typeface="Arial" panose="020B0604020202020204" pitchFamily="34" charset="0"/>
+              </a:rPr>
               <a:t>https://www.php-einfach.de/mysql-tutorial/daten-loeschen/</a:t>
             </a:r>
           </a:p>
@@ -20611,7 +20645,9 @@
               </a:rPr>
               <a:t>?&gt;</a:t>
             </a:r>
-            <a:endParaRPr lang="de-AT" sz="1050" dirty="0"/>
+            <a:endParaRPr lang="de-AT" sz="1050" dirty="0">
+              <a:latin typeface="Arial" panose="020B0604020202020204" pitchFamily="34" charset="0"/>
+            </a:endParaRPr>
           </a:p>
         </p:txBody>
       </p:sp>
@@ -21420,7 +21456,9 @@
               </a:rPr>
               <a:t>?&gt;</a:t>
             </a:r>
-            <a:endParaRPr lang="de-AT" sz="1050" dirty="0"/>
+            <a:endParaRPr lang="de-AT" sz="1050" dirty="0">
+              <a:latin typeface="Arial" panose="020B0604020202020204" pitchFamily="34" charset="0"/>
+            </a:endParaRPr>
           </a:p>
         </p:txBody>
       </p:sp>
@@ -21499,25 +21537,7 @@
                 </a:solidFill>
                 <a:effectLst/>
               </a:rPr>
-              <a:t>Quelle: PHP </a:t>
-            </a:r>
-            <a:r>
-              <a:rPr lang="de-AT" sz="1400">
-                <a:solidFill>
-                  <a:schemeClr val="tx1"/>
-                </a:solidFill>
-                <a:effectLst/>
-              </a:rPr>
-              <a:t>&amp; MySQL für </a:t>
-            </a:r>
-            <a:r>
-              <a:rPr lang="de-AT" sz="1400" dirty="0">
-                <a:solidFill>
-                  <a:schemeClr val="tx1"/>
-                </a:solidFill>
-                <a:effectLst/>
-              </a:rPr>
-              <a:t>Einsteiger</a:t>
+              <a:t>Quelle: PHP &amp; MySQL für Einsteiger</a:t>
             </a:r>
             <a:br>
               <a:rPr lang="de-AT" sz="1400" dirty="0">
@@ -21541,7 +21561,7 @@
                 <a:schemeClr val="tx1"/>
               </a:solidFill>
               <a:effectLst/>
-              <a:latin typeface="+mn-lt"/>
+              <a:latin typeface="Arial" panose="020B0604020202020204" pitchFamily="34" charset="0"/>
               <a:ea typeface="+mn-ea"/>
               <a:cs typeface="+mn-cs"/>
             </a:endParaRPr>
